--- a/PM/Presentations/PM_ThesisUpdates_Jan25_WithNotes.pptx
+++ b/PM/Presentations/PM_ThesisUpdates_Jan25_WithNotes.pptx
@@ -13,10 +13,10 @@
     <p:sldMasterId id="2147483849" r:id="rId9"/>
   </p:sldMasterIdLst>
   <p:notesMasterIdLst>
-    <p:notesMasterId r:id="rId33"/>
+    <p:notesMasterId r:id="rId34"/>
   </p:notesMasterIdLst>
   <p:handoutMasterIdLst>
-    <p:handoutMasterId r:id="rId34"/>
+    <p:handoutMasterId r:id="rId35"/>
   </p:handoutMasterIdLst>
   <p:sldIdLst>
     <p:sldId id="268" r:id="rId10"/>
@@ -42,6 +42,7 @@
     <p:sldId id="293" r:id="rId30"/>
     <p:sldId id="290" r:id="rId31"/>
     <p:sldId id="294" r:id="rId32"/>
+    <p:sldId id="295" r:id="rId33"/>
   </p:sldIdLst>
   <p:sldSz cx="12187238" cy="6858000"/>
   <p:notesSz cx="7099300" cy="10234613"/>
@@ -45275,6 +45276,189 @@
     <p:extLst>
       <p:ext uri="{BB962C8B-B14F-4D97-AF65-F5344CB8AC3E}">
         <p14:creationId xmlns:p14="http://schemas.microsoft.com/office/powerpoint/2010/main" val="1789940177"/>
+      </p:ext>
+    </p:extLst>
+  </p:cSld>
+  <p:clrMapOvr>
+    <a:masterClrMapping/>
+  </p:clrMapOvr>
+  <p:transition>
+    <p:fade/>
+  </p:transition>
+</p:sld>
+</file>
+
+<file path=ppt/slides/slide24.xml><?xml version="1.0" encoding="utf-8"?>
+<p:sld xmlns:a="http://schemas.openxmlformats.org/drawingml/2006/main" xmlns:r="http://schemas.openxmlformats.org/officeDocument/2006/relationships" xmlns:p="http://schemas.openxmlformats.org/presentationml/2006/main">
+  <p:cSld>
+    <p:spTree>
+      <p:nvGrpSpPr>
+        <p:cNvPr id="1" name=""/>
+        <p:cNvGrpSpPr/>
+        <p:nvPr/>
+      </p:nvGrpSpPr>
+      <p:grpSpPr>
+        <a:xfrm>
+          <a:off x="0" y="0"/>
+          <a:ext cx="0" cy="0"/>
+          <a:chOff x="0" y="0"/>
+          <a:chExt cx="0" cy="0"/>
+        </a:xfrm>
+      </p:grpSpPr>
+      <p:sp>
+        <p:nvSpPr>
+          <p:cNvPr id="4" name="Date Placeholder 3">
+            <a:extLst>
+              <a:ext uri="{FF2B5EF4-FFF2-40B4-BE49-F238E27FC236}">
+                <a16:creationId xmlns:a16="http://schemas.microsoft.com/office/drawing/2014/main" id="{68B9C6FA-5D4D-4EA0-8CA9-3396AF7A93B0}"/>
+              </a:ext>
+            </a:extLst>
+          </p:cNvPr>
+          <p:cNvSpPr>
+            <a:spLocks noGrp="1"/>
+          </p:cNvSpPr>
+          <p:nvPr>
+            <p:ph type="dt" sz="half" idx="10"/>
+          </p:nvPr>
+        </p:nvSpPr>
+        <p:spPr/>
+        <p:txBody>
+          <a:bodyPr/>
+          <a:lstStyle/>
+          <a:p>
+            <a:r>
+              <a:rPr lang="en-GB"/>
+              <a:t>1.12.2014</a:t>
+            </a:r>
+            <a:endParaRPr lang="en-GB" dirty="0"/>
+          </a:p>
+        </p:txBody>
+      </p:sp>
+      <p:sp>
+        <p:nvSpPr>
+          <p:cNvPr id="5" name="Footer Placeholder 4">
+            <a:extLst>
+              <a:ext uri="{FF2B5EF4-FFF2-40B4-BE49-F238E27FC236}">
+                <a16:creationId xmlns:a16="http://schemas.microsoft.com/office/drawing/2014/main" id="{F31A5BBD-08A3-4480-AC83-8B026EC751D3}"/>
+              </a:ext>
+            </a:extLst>
+          </p:cNvPr>
+          <p:cNvSpPr>
+            <a:spLocks noGrp="1"/>
+          </p:cNvSpPr>
+          <p:nvPr>
+            <p:ph type="ftr" sz="quarter" idx="11"/>
+          </p:nvPr>
+        </p:nvSpPr>
+        <p:spPr/>
+        <p:txBody>
+          <a:bodyPr/>
+          <a:lstStyle/>
+          <a:p>
+            <a:r>
+              <a:rPr lang="en-GB"/>
+              <a:t>First name Surname (edit via “Insert” &gt; “Header &amp; Footer”)</a:t>
+            </a:r>
+            <a:endParaRPr lang="en-GB" dirty="0"/>
+          </a:p>
+        </p:txBody>
+      </p:sp>
+      <p:sp>
+        <p:nvSpPr>
+          <p:cNvPr id="6" name="Slide Number Placeholder 5">
+            <a:extLst>
+              <a:ext uri="{FF2B5EF4-FFF2-40B4-BE49-F238E27FC236}">
+                <a16:creationId xmlns:a16="http://schemas.microsoft.com/office/drawing/2014/main" id="{B3AE30C5-CBAA-470A-9C25-954E43A158D7}"/>
+              </a:ext>
+            </a:extLst>
+          </p:cNvPr>
+          <p:cNvSpPr>
+            <a:spLocks noGrp="1"/>
+          </p:cNvSpPr>
+          <p:nvPr>
+            <p:ph type="sldNum" sz="quarter" idx="12"/>
+          </p:nvPr>
+        </p:nvSpPr>
+        <p:spPr/>
+        <p:txBody>
+          <a:bodyPr/>
+          <a:lstStyle/>
+          <a:p>
+            <a:fld id="{6C6AE60A-B69C-4790-82F7-3882EDF23186}" type="slidenum">
+              <a:rPr lang="en-GB" smtClean="0"/>
+              <a:t>24</a:t>
+            </a:fld>
+            <a:endParaRPr lang="en-GB" dirty="0"/>
+          </a:p>
+        </p:txBody>
+      </p:sp>
+      <p:sp>
+        <p:nvSpPr>
+          <p:cNvPr id="8" name="Title 7">
+            <a:extLst>
+              <a:ext uri="{FF2B5EF4-FFF2-40B4-BE49-F238E27FC236}">
+                <a16:creationId xmlns:a16="http://schemas.microsoft.com/office/drawing/2014/main" id="{9ACBCEAE-D264-46CA-8A20-36FB9EAC7B5E}"/>
+              </a:ext>
+            </a:extLst>
+          </p:cNvPr>
+          <p:cNvSpPr>
+            <a:spLocks noGrp="1"/>
+          </p:cNvSpPr>
+          <p:nvPr>
+            <p:ph type="title"/>
+          </p:nvPr>
+        </p:nvSpPr>
+        <p:spPr/>
+        <p:txBody>
+          <a:bodyPr/>
+          <a:lstStyle/>
+          <a:p>
+            <a:r>
+              <a:rPr lang="en-GB" dirty="0"/>
+              <a:t>Time plan needs some adjustment to be realistic. See </a:t>
+            </a:r>
+            <a:r>
+              <a:rPr lang="en-GB"/>
+              <a:t>darker squares</a:t>
+            </a:r>
+            <a:endParaRPr lang="en-GB" dirty="0"/>
+          </a:p>
+        </p:txBody>
+      </p:sp>
+      <p:pic>
+        <p:nvPicPr>
+          <p:cNvPr id="10" name="Picture 9">
+            <a:extLst>
+              <a:ext uri="{FF2B5EF4-FFF2-40B4-BE49-F238E27FC236}">
+                <a16:creationId xmlns:a16="http://schemas.microsoft.com/office/drawing/2014/main" id="{2789E282-18F2-43CE-A0A6-5CACBF7B9365}"/>
+              </a:ext>
+            </a:extLst>
+          </p:cNvPr>
+          <p:cNvPicPr>
+            <a:picLocks noChangeAspect="1"/>
+          </p:cNvPicPr>
+          <p:nvPr/>
+        </p:nvPicPr>
+        <p:blipFill>
+          <a:blip r:embed="rId2"/>
+          <a:stretch>
+            <a:fillRect/>
+          </a:stretch>
+        </p:blipFill>
+        <p:spPr>
+          <a:xfrm>
+            <a:off x="621010" y="2060848"/>
+            <a:ext cx="10537309" cy="3528392"/>
+          </a:xfrm>
+          <a:prstGeom prst="rect">
+            <a:avLst/>
+          </a:prstGeom>
+        </p:spPr>
+      </p:pic>
+    </p:spTree>
+    <p:extLst>
+      <p:ext uri="{BB962C8B-B14F-4D97-AF65-F5344CB8AC3E}">
+        <p14:creationId xmlns:p14="http://schemas.microsoft.com/office/powerpoint/2010/main" val="303391231"/>
       </p:ext>
     </p:extLst>
   </p:cSld>
